--- a/assets/slides/ch6-ann.pptx
+++ b/assets/slides/ch6-ann.pptx
@@ -4129,8 +4129,8 @@
           <a:lstStyle/>
           <a:p>
             <a:r>
-              <a:rPr lang="zh-CN" altLang="en-US" dirty="0"/>
-              <a:t>第五章</a:t>
+              <a:rPr lang="zh-CN" altLang="en-US"/>
+              <a:t>第六章</a:t>
             </a:r>
             <a:br>
               <a:rPr lang="en-US" altLang="zh-CN" dirty="0"/>
